--- a/StudyWare/Documentation/Presentation.pptx
+++ b/StudyWare/Documentation/Presentation.pptx
@@ -13578,19 +13578,7 @@
                 <a:cs typeface="League Spartan"/>
                 <a:sym typeface="League Spartan"/>
               </a:rPr>
-              <a:t>About our gam</a:t>
-            </a:r>
-            <a:r>
-              <a:rPr lang="en-US" sz="6000" b="1" i="0" u="none" strike="noStrike" cap="none" dirty="0">
-                <a:solidFill>
-                  <a:srgbClr val="403F3F"/>
-                </a:solidFill>
-                <a:latin typeface="League Spartan"/>
-                <a:ea typeface="League Spartan"/>
-                <a:cs typeface="League Spartan"/>
-                <a:sym typeface="League Spartan"/>
-              </a:rPr>
-              <a:t>e</a:t>
+              <a:t>About our project</a:t>
             </a:r>
             <a:endParaRPr sz="6000" b="1" dirty="0">
               <a:latin typeface="League Spartan"/>
@@ -13654,7 +13642,55 @@
                 <a:cs typeface="League Spartan"/>
                 <a:sym typeface="League Spartan"/>
               </a:rPr>
-              <a:t>В нашата игра , ние запознаваме играча с органите на човешкото тяло , както и техните функции и болести които могат да доведат до повредата им.</a:t>
+              <a:t>В нашата </a:t>
+            </a:r>
+            <a:r>
+              <a:rPr lang="bg-BG" sz="4800" b="1">
+                <a:solidFill>
+                  <a:schemeClr val="tx1"/>
+                </a:solidFill>
+                <a:latin typeface="League Spartan"/>
+                <a:ea typeface="League Spartan"/>
+                <a:cs typeface="League Spartan"/>
+                <a:sym typeface="League Spartan"/>
+              </a:rPr>
+              <a:t>обучителен софтуер, </a:t>
+            </a:r>
+            <a:r>
+              <a:rPr lang="bg-BG" sz="4800" b="1" dirty="0">
+                <a:solidFill>
+                  <a:schemeClr val="tx1"/>
+                </a:solidFill>
+                <a:latin typeface="League Spartan"/>
+                <a:ea typeface="League Spartan"/>
+                <a:cs typeface="League Spartan"/>
+                <a:sym typeface="League Spartan"/>
+              </a:rPr>
+              <a:t>ние запознаваме играча с органите на </a:t>
+            </a:r>
+            <a:r>
+              <a:rPr lang="bg-BG" sz="4800" b="1">
+                <a:solidFill>
+                  <a:schemeClr val="tx1"/>
+                </a:solidFill>
+                <a:latin typeface="League Spartan"/>
+                <a:ea typeface="League Spartan"/>
+                <a:cs typeface="League Spartan"/>
+                <a:sym typeface="League Spartan"/>
+              </a:rPr>
+              <a:t>човешкото тяло </a:t>
+            </a:r>
+            <a:r>
+              <a:rPr lang="bg-BG" sz="4800" b="1" dirty="0">
+                <a:solidFill>
+                  <a:schemeClr val="tx1"/>
+                </a:solidFill>
+                <a:latin typeface="League Spartan"/>
+                <a:ea typeface="League Spartan"/>
+                <a:cs typeface="League Spartan"/>
+                <a:sym typeface="League Spartan"/>
+              </a:rPr>
+              <a:t>, както и техните функции и болести които могат да доведат до повредата им.</a:t>
             </a:r>
             <a:endParaRPr lang="en-US" sz="4800" b="1" dirty="0">
               <a:solidFill>
